--- a/docs/Lecture_003.pptx
+++ b/docs/Lecture_003.pptx
@@ -248,7 +248,7 @@
           <a:p>
             <a:fld id="{2C2D446A-5F06-4FB6-90AF-00741C033E90}" type="datetimeFigureOut">
               <a:rPr lang="en-US" smtClean="0"/>
-              <a:t>10/4/2023</a:t>
+              <a:t>10/5/2023</a:t>
             </a:fld>
             <a:endParaRPr lang="en-US"/>
           </a:p>
@@ -418,7 +418,7 @@
           <a:p>
             <a:fld id="{2C2D446A-5F06-4FB6-90AF-00741C033E90}" type="datetimeFigureOut">
               <a:rPr lang="en-US" smtClean="0"/>
-              <a:t>10/4/2023</a:t>
+              <a:t>10/5/2023</a:t>
             </a:fld>
             <a:endParaRPr lang="en-US"/>
           </a:p>
@@ -598,7 +598,7 @@
           <a:p>
             <a:fld id="{2C2D446A-5F06-4FB6-90AF-00741C033E90}" type="datetimeFigureOut">
               <a:rPr lang="en-US" smtClean="0"/>
-              <a:t>10/4/2023</a:t>
+              <a:t>10/5/2023</a:t>
             </a:fld>
             <a:endParaRPr lang="en-US"/>
           </a:p>
@@ -768,7 +768,7 @@
           <a:p>
             <a:fld id="{2C2D446A-5F06-4FB6-90AF-00741C033E90}" type="datetimeFigureOut">
               <a:rPr lang="en-US" smtClean="0"/>
-              <a:t>10/4/2023</a:t>
+              <a:t>10/5/2023</a:t>
             </a:fld>
             <a:endParaRPr lang="en-US"/>
           </a:p>
@@ -1012,7 +1012,7 @@
           <a:p>
             <a:fld id="{2C2D446A-5F06-4FB6-90AF-00741C033E90}" type="datetimeFigureOut">
               <a:rPr lang="en-US" smtClean="0"/>
-              <a:t>10/4/2023</a:t>
+              <a:t>10/5/2023</a:t>
             </a:fld>
             <a:endParaRPr lang="en-US"/>
           </a:p>
@@ -1244,7 +1244,7 @@
           <a:p>
             <a:fld id="{2C2D446A-5F06-4FB6-90AF-00741C033E90}" type="datetimeFigureOut">
               <a:rPr lang="en-US" smtClean="0"/>
-              <a:t>10/4/2023</a:t>
+              <a:t>10/5/2023</a:t>
             </a:fld>
             <a:endParaRPr lang="en-US"/>
           </a:p>
@@ -1611,7 +1611,7 @@
           <a:p>
             <a:fld id="{2C2D446A-5F06-4FB6-90AF-00741C033E90}" type="datetimeFigureOut">
               <a:rPr lang="en-US" smtClean="0"/>
-              <a:t>10/4/2023</a:t>
+              <a:t>10/5/2023</a:t>
             </a:fld>
             <a:endParaRPr lang="en-US"/>
           </a:p>
@@ -1729,7 +1729,7 @@
           <a:p>
             <a:fld id="{2C2D446A-5F06-4FB6-90AF-00741C033E90}" type="datetimeFigureOut">
               <a:rPr lang="en-US" smtClean="0"/>
-              <a:t>10/4/2023</a:t>
+              <a:t>10/5/2023</a:t>
             </a:fld>
             <a:endParaRPr lang="en-US"/>
           </a:p>
@@ -1824,7 +1824,7 @@
           <a:p>
             <a:fld id="{2C2D446A-5F06-4FB6-90AF-00741C033E90}" type="datetimeFigureOut">
               <a:rPr lang="en-US" smtClean="0"/>
-              <a:t>10/4/2023</a:t>
+              <a:t>10/5/2023</a:t>
             </a:fld>
             <a:endParaRPr lang="en-US"/>
           </a:p>
@@ -2101,7 +2101,7 @@
           <a:p>
             <a:fld id="{2C2D446A-5F06-4FB6-90AF-00741C033E90}" type="datetimeFigureOut">
               <a:rPr lang="en-US" smtClean="0"/>
-              <a:t>10/4/2023</a:t>
+              <a:t>10/5/2023</a:t>
             </a:fld>
             <a:endParaRPr lang="en-US"/>
           </a:p>
@@ -2358,7 +2358,7 @@
           <a:p>
             <a:fld id="{2C2D446A-5F06-4FB6-90AF-00741C033E90}" type="datetimeFigureOut">
               <a:rPr lang="en-US" smtClean="0"/>
-              <a:t>10/4/2023</a:t>
+              <a:t>10/5/2023</a:t>
             </a:fld>
             <a:endParaRPr lang="en-US"/>
           </a:p>
@@ -2580,7 +2580,7 @@
           <a:p>
             <a:fld id="{2C2D446A-5F06-4FB6-90AF-00741C033E90}" type="datetimeFigureOut">
               <a:rPr lang="en-US" smtClean="0"/>
-              <a:t>10/4/2023</a:t>
+              <a:t>10/5/2023</a:t>
             </a:fld>
             <a:endParaRPr lang="en-US"/>
           </a:p>
@@ -3666,8 +3666,8 @@
         </p:nvSpPr>
         <p:spPr>
           <a:xfrm>
-            <a:off x="1569711" y="3596709"/>
-            <a:ext cx="4572000" cy="1711366"/>
+            <a:off x="1569710" y="3596709"/>
+            <a:ext cx="6174697" cy="1711366"/>
           </a:xfrm>
           <a:prstGeom prst="rect">
             <a:avLst/>
@@ -3736,7 +3736,23 @@
             </a:pPr>
             <a:r>
               <a:rPr lang="en-US" dirty="0"/>
-              <a:t>                   print("Yes")</a:t>
+              <a:t>                   print(</a:t>
+            </a:r>
+            <a:r>
+              <a:rPr lang="en-US" dirty="0" err="1"/>
+              <a:t>f"Yes</a:t>
+            </a:r>
+            <a:r>
+              <a:rPr lang="en-US" dirty="0"/>
+              <a:t>, {</a:t>
+            </a:r>
+            <a:r>
+              <a:rPr lang="en-US" dirty="0" err="1"/>
+              <a:t>i</a:t>
+            </a:r>
+            <a:r>
+              <a:rPr lang="en-US" dirty="0"/>
+              <a:t>} is an odd numbers")</a:t>
             </a:r>
           </a:p>
         </p:txBody>
@@ -3918,7 +3934,7 @@
         <p:spPr>
           <a:xfrm>
             <a:off x="2172050" y="4911989"/>
-            <a:ext cx="1929026" cy="365760"/>
+            <a:ext cx="3920840" cy="365760"/>
           </a:xfrm>
           <a:prstGeom prst="rect">
             <a:avLst/>
@@ -4190,13 +4206,15 @@
               </a:ext>
             </a:extLst>
           </p:cNvPr>
-          <p:cNvCxnSpPr/>
+          <p:cNvCxnSpPr>
+            <a:cxnSpLocks/>
+          </p:cNvCxnSpPr>
           <p:nvPr/>
         </p:nvCxnSpPr>
         <p:spPr>
           <a:xfrm>
-            <a:off x="4101076" y="5057071"/>
-            <a:ext cx="798356" cy="0"/>
+            <a:off x="6092890" y="5057071"/>
+            <a:ext cx="385626" cy="0"/>
           </a:xfrm>
           <a:prstGeom prst="straightConnector1">
             <a:avLst/>
@@ -4234,7 +4252,7 @@
         </p:nvSpPr>
         <p:spPr>
           <a:xfrm>
-            <a:off x="4944361" y="4870619"/>
+            <a:off x="6588850" y="4887210"/>
             <a:ext cx="841897" cy="369332"/>
           </a:xfrm>
           <a:prstGeom prst="rect">
